--- a/LogoFiles/Y!購 Go.pptx
+++ b/LogoFiles/Y!購 Go.pptx
@@ -3395,8 +3395,8 @@
           <p:nvPr/>
         </p:nvSpPr>
         <p:spPr>
-          <a:xfrm rot="19730991">
-            <a:off x="4480759" y="1064874"/>
+          <a:xfrm rot="-1800000">
+            <a:off x="4618407" y="1064874"/>
             <a:ext cx="540000" cy="1440000"/>
           </a:xfrm>
           <a:prstGeom prst="roundRect">
@@ -3452,8 +3452,8 @@
         </p:nvSpPr>
         <p:spPr>
           <a:xfrm>
-            <a:off x="5286684" y="4891315"/>
-            <a:ext cx="809316" cy="1649410"/>
+            <a:off x="5366894" y="4867251"/>
+            <a:ext cx="729106" cy="1659217"/>
           </a:xfrm>
           <a:prstGeom prst="roundRect">
             <a:avLst>
@@ -3579,8 +3579,8 @@
         </p:blipFill>
         <p:spPr bwMode="auto">
           <a:xfrm>
-            <a:off x="4040687" y="2292207"/>
-            <a:ext cx="3886026" cy="2847628"/>
+            <a:off x="4147245" y="2292207"/>
+            <a:ext cx="3886026" cy="2968390"/>
           </a:xfrm>
           <a:prstGeom prst="rect">
             <a:avLst/>
@@ -3611,8 +3611,8 @@
         </p:nvSpPr>
         <p:spPr>
           <a:xfrm>
-            <a:off x="7169727" y="3584241"/>
-            <a:ext cx="3237016" cy="3222258"/>
+            <a:off x="7499685" y="4499811"/>
+            <a:ext cx="2442539" cy="2358189"/>
           </a:xfrm>
           <a:prstGeom prst="donut">
             <a:avLst>
@@ -3669,8 +3669,8 @@
         </p:nvSpPr>
         <p:spPr>
           <a:xfrm rot="442080">
-            <a:off x="8664167" y="195727"/>
-            <a:ext cx="1191847" cy="3172503"/>
+            <a:off x="8608183" y="192122"/>
+            <a:ext cx="1191847" cy="4045610"/>
           </a:xfrm>
           <a:prstGeom prst="roundRect">
             <a:avLst>
@@ -3708,6 +3708,62 @@
           <a:p>
             <a:pPr algn="ctr"/>
             <a:endParaRPr lang="zh-TW" altLang="en-US" dirty="0"/>
+          </a:p>
+        </p:txBody>
+      </p:sp>
+      <p:sp>
+        <p:nvSpPr>
+          <p:cNvPr id="9" name="矩形: 圓角 8">
+            <a:extLst>
+              <a:ext uri="{FF2B5EF4-FFF2-40B4-BE49-F238E27FC236}">
+                <a16:creationId xmlns:a16="http://schemas.microsoft.com/office/drawing/2014/main" id="{8A44466A-6BAE-4214-9927-DD1C82658E3B}"/>
+              </a:ext>
+            </a:extLst>
+          </p:cNvPr>
+          <p:cNvSpPr/>
+          <p:nvPr/>
+        </p:nvSpPr>
+        <p:spPr>
+          <a:xfrm rot="6775962">
+            <a:off x="5483412" y="266750"/>
+            <a:ext cx="652687" cy="750795"/>
+          </a:xfrm>
+          <a:prstGeom prst="roundRect">
+            <a:avLst>
+              <a:gd name="adj" fmla="val 37742"/>
+            </a:avLst>
+          </a:prstGeom>
+          <a:solidFill>
+            <a:schemeClr val="bg1"/>
+          </a:solidFill>
+          <a:ln w="0">
+            <a:solidFill>
+              <a:schemeClr val="bg1"/>
+            </a:solidFill>
+          </a:ln>
+        </p:spPr>
+        <p:style>
+          <a:lnRef idx="2">
+            <a:schemeClr val="accent1">
+              <a:shade val="50000"/>
+            </a:schemeClr>
+          </a:lnRef>
+          <a:fillRef idx="1">
+            <a:schemeClr val="accent1"/>
+          </a:fillRef>
+          <a:effectRef idx="0">
+            <a:schemeClr val="accent1"/>
+          </a:effectRef>
+          <a:fontRef idx="minor">
+            <a:schemeClr val="lt1"/>
+          </a:fontRef>
+        </p:style>
+        <p:txBody>
+          <a:bodyPr rtlCol="0" anchor="ctr"/>
+          <a:lstStyle/>
+          <a:p>
+            <a:pPr algn="ctr"/>
+            <a:endParaRPr lang="zh-TW" altLang="en-US"/>
           </a:p>
         </p:txBody>
       </p:sp>
